--- a/ControlesParaNinos.pptx
+++ b/ControlesParaNinos.pptx
@@ -112,6 +112,11 @@
       </a:defRPr>
     </a:lvl9pPr>
   </p:defaultTextStyle>
+  <p:extLst>
+    <p:ext uri="{EFAFB233-063F-42B5-8137-9DF3F51BA10A}">
+      <p15:sldGuideLst xmlns:p15="http://schemas.microsoft.com/office/powerpoint/2012/main"/>
+    </p:ext>
+  </p:extLst>
 </p:presentation>
 </file>
 
@@ -197,7 +202,7 @@
           <a:p>
             <a:fld id="{A630188B-03B8-0F4C-AF20-4D441A94F473}" type="datetimeFigureOut">
               <a:rPr lang="es-ES_tradnl" smtClean="0"/>
-              <a:t>22/7/25</a:t>
+              <a:t>23/7/25</a:t>
             </a:fld>
             <a:endParaRPr lang="es-ES_tradnl"/>
           </a:p>
@@ -1011,7 +1016,7 @@
           <a:p>
             <a:fld id="{E0B6F32E-4855-BD45-AC99-7DFBC3BD59ED}" type="datetimeFigureOut">
               <a:rPr lang="es-ES_tradnl" smtClean="0"/>
-              <a:t>22/7/25</a:t>
+              <a:t>23/7/25</a:t>
             </a:fld>
             <a:endParaRPr lang="es-ES_tradnl"/>
           </a:p>
@@ -1213,7 +1218,7 @@
           <a:p>
             <a:fld id="{E0B6F32E-4855-BD45-AC99-7DFBC3BD59ED}" type="datetimeFigureOut">
               <a:rPr lang="es-ES_tradnl" smtClean="0"/>
-              <a:t>22/7/25</a:t>
+              <a:t>23/7/25</a:t>
             </a:fld>
             <a:endParaRPr lang="es-ES_tradnl"/>
           </a:p>
@@ -1393,7 +1398,7 @@
           <a:p>
             <a:fld id="{E0B6F32E-4855-BD45-AC99-7DFBC3BD59ED}" type="datetimeFigureOut">
               <a:rPr lang="es-ES_tradnl" smtClean="0"/>
-              <a:t>22/7/25</a:t>
+              <a:t>23/7/25</a:t>
             </a:fld>
             <a:endParaRPr lang="es-ES_tradnl"/>
           </a:p>
@@ -1563,7 +1568,7 @@
           <a:p>
             <a:fld id="{E0B6F32E-4855-BD45-AC99-7DFBC3BD59ED}" type="datetimeFigureOut">
               <a:rPr lang="es-ES_tradnl" smtClean="0"/>
-              <a:t>22/7/25</a:t>
+              <a:t>23/7/25</a:t>
             </a:fld>
             <a:endParaRPr lang="es-ES_tradnl"/>
           </a:p>
@@ -2134,7 +2139,7 @@
           <a:p>
             <a:fld id="{E0B6F32E-4855-BD45-AC99-7DFBC3BD59ED}" type="datetimeFigureOut">
               <a:rPr lang="es-ES_tradnl" smtClean="0"/>
-              <a:t>22/7/25</a:t>
+              <a:t>23/7/25</a:t>
             </a:fld>
             <a:endParaRPr lang="es-ES_tradnl"/>
           </a:p>
@@ -2436,7 +2441,7 @@
           <a:p>
             <a:fld id="{E0B6F32E-4855-BD45-AC99-7DFBC3BD59ED}" type="datetimeFigureOut">
               <a:rPr lang="es-ES_tradnl" smtClean="0"/>
-              <a:t>22/7/25</a:t>
+              <a:t>23/7/25</a:t>
             </a:fld>
             <a:endParaRPr lang="es-ES_tradnl"/>
           </a:p>
@@ -2873,7 +2878,7 @@
           <a:p>
             <a:fld id="{E0B6F32E-4855-BD45-AC99-7DFBC3BD59ED}" type="datetimeFigureOut">
               <a:rPr lang="es-ES_tradnl" smtClean="0"/>
-              <a:t>22/7/25</a:t>
+              <a:t>23/7/25</a:t>
             </a:fld>
             <a:endParaRPr lang="es-ES_tradnl"/>
           </a:p>
@@ -2991,7 +2996,7 @@
           <a:p>
             <a:fld id="{E0B6F32E-4855-BD45-AC99-7DFBC3BD59ED}" type="datetimeFigureOut">
               <a:rPr lang="es-ES_tradnl" smtClean="0"/>
-              <a:t>22/7/25</a:t>
+              <a:t>23/7/25</a:t>
             </a:fld>
             <a:endParaRPr lang="es-ES_tradnl"/>
           </a:p>
@@ -3086,7 +3091,7 @@
           <a:p>
             <a:fld id="{E0B6F32E-4855-BD45-AC99-7DFBC3BD59ED}" type="datetimeFigureOut">
               <a:rPr lang="es-ES_tradnl" smtClean="0"/>
-              <a:t>22/7/25</a:t>
+              <a:t>23/7/25</a:t>
             </a:fld>
             <a:endParaRPr lang="es-ES_tradnl"/>
           </a:p>
@@ -3468,7 +3473,7 @@
           <a:p>
             <a:fld id="{E0B6F32E-4855-BD45-AC99-7DFBC3BD59ED}" type="datetimeFigureOut">
               <a:rPr lang="es-ES_tradnl" smtClean="0"/>
-              <a:t>22/7/25</a:t>
+              <a:t>23/7/25</a:t>
             </a:fld>
             <a:endParaRPr lang="es-ES_tradnl"/>
           </a:p>
@@ -3862,7 +3867,7 @@
           <a:p>
             <a:fld id="{E0B6F32E-4855-BD45-AC99-7DFBC3BD59ED}" type="datetimeFigureOut">
               <a:rPr lang="es-ES_tradnl" smtClean="0"/>
-              <a:t>22/7/25</a:t>
+              <a:t>23/7/25</a:t>
             </a:fld>
             <a:endParaRPr lang="es-ES_tradnl"/>
           </a:p>
@@ -4175,7 +4180,7 @@
           <a:p>
             <a:fld id="{E0B6F32E-4855-BD45-AC99-7DFBC3BD59ED}" type="datetimeFigureOut">
               <a:rPr lang="es-ES_tradnl" smtClean="0"/>
-              <a:t>22/7/25</a:t>
+              <a:t>23/7/25</a:t>
             </a:fld>
             <a:endParaRPr lang="es-ES_tradnl"/>
           </a:p>
@@ -5104,7 +5109,10 @@
           </a:bodyPr>
           <a:lstStyle/>
           <a:p>
-            <a:endParaRPr lang="es-ES_tradnl" sz="2000" dirty="0"/>
+            <a:r>
+              <a:rPr lang="es-ES_tradnl" sz="2000" dirty="0"/>
+              <a:t>¿Que inventaron los papás ahora?</a:t>
+            </a:r>
           </a:p>
         </p:txBody>
       </p:sp>
